--- a/0040_pllsyn/rtl/schematic/dechat.pptx
+++ b/0040_pllsyn/rtl/schematic/dechat.pptx
@@ -3622,13 +3622,6 @@
               </a:rPr>
               <a:t>{{(BW-1){1’b0}}, 1’b1}</a:t>
             </a:r>
-            <a:endParaRPr lang="en-US" sz="900" dirty="0">
-              <a:solidFill>
-                <a:srgbClr val="000000"/>
-              </a:solidFill>
-              <a:latin typeface="Courier New" panose="02070309020205020404" pitchFamily="49" charset="0"/>
-              <a:cs typeface="Courier New" panose="02070309020205020404" pitchFamily="49" charset="0"/>
-            </a:endParaRPr>
           </a:p>
         </p:txBody>
       </p:sp>
@@ -3991,13 +3984,6 @@
               </a:rPr>
               <a:t>DIN</a:t>
             </a:r>
-            <a:endParaRPr lang="en-US" sz="900" dirty="0">
-              <a:solidFill>
-                <a:srgbClr val="000000"/>
-              </a:solidFill>
-              <a:latin typeface="Courier New" panose="02070309020205020404" pitchFamily="49" charset="0"/>
-              <a:cs typeface="Courier New" panose="02070309020205020404" pitchFamily="49" charset="0"/>
-            </a:endParaRPr>
           </a:p>
         </p:txBody>
       </p:sp>
@@ -4139,13 +4125,6 @@
               </a:rPr>
               <a:t>1</a:t>
             </a:r>
-            <a:endParaRPr lang="en-US" sz="900" dirty="0">
-              <a:solidFill>
-                <a:srgbClr val="000000"/>
-              </a:solidFill>
-              <a:latin typeface="Courier New" panose="02070309020205020404" pitchFamily="49" charset="0"/>
-              <a:cs typeface="Courier New" panose="02070309020205020404" pitchFamily="49" charset="0"/>
-            </a:endParaRPr>
           </a:p>
         </p:txBody>
       </p:sp>
@@ -4198,13 +4177,6 @@
               </a:rPr>
               <a:t>DOUT</a:t>
             </a:r>
-            <a:endParaRPr lang="en-US" sz="900" dirty="0">
-              <a:solidFill>
-                <a:srgbClr val="000000"/>
-              </a:solidFill>
-              <a:latin typeface="Courier New" panose="02070309020205020404" pitchFamily="49" charset="0"/>
-              <a:cs typeface="Courier New" panose="02070309020205020404" pitchFamily="49" charset="0"/>
-            </a:endParaRPr>
           </a:p>
         </p:txBody>
       </p:sp>
@@ -4398,13 +4370,6 @@
               </a:rPr>
               <a:t>CLK</a:t>
             </a:r>
-            <a:endParaRPr lang="en-US" sz="900" dirty="0">
-              <a:solidFill>
-                <a:srgbClr val="000000"/>
-              </a:solidFill>
-              <a:latin typeface="Courier New" panose="02070309020205020404" pitchFamily="49" charset="0"/>
-              <a:cs typeface="Courier New" panose="02070309020205020404" pitchFamily="49" charset="0"/>
-            </a:endParaRPr>
           </a:p>
         </p:txBody>
       </p:sp>
@@ -4910,13 +4875,6 @@
               </a:rPr>
               <a:t>RSTX</a:t>
             </a:r>
-            <a:endParaRPr lang="en-US" sz="900" dirty="0">
-              <a:solidFill>
-                <a:srgbClr val="000000"/>
-              </a:solidFill>
-              <a:latin typeface="Courier New" panose="02070309020205020404" pitchFamily="49" charset="0"/>
-              <a:cs typeface="Courier New" panose="02070309020205020404" pitchFamily="49" charset="0"/>
-            </a:endParaRPr>
           </a:p>
         </p:txBody>
       </p:sp>
@@ -5660,13 +5618,6 @@
               </a:rPr>
               <a:t>{BW{1’d0}}</a:t>
             </a:r>
-            <a:endParaRPr lang="en-US" sz="900" dirty="0">
-              <a:solidFill>
-                <a:srgbClr val="000000"/>
-              </a:solidFill>
-              <a:latin typeface="Courier New" panose="02070309020205020404" pitchFamily="49" charset="0"/>
-              <a:cs typeface="Courier New" panose="02070309020205020404" pitchFamily="49" charset="0"/>
-            </a:endParaRPr>
           </a:p>
         </p:txBody>
       </p:sp>
@@ -6493,13 +6444,6 @@
               </a:rPr>
               <a:t>BW</a:t>
             </a:r>
-            <a:endParaRPr lang="en-US" sz="900" dirty="0">
-              <a:solidFill>
-                <a:srgbClr val="000000"/>
-              </a:solidFill>
-              <a:latin typeface="Courier New" panose="02070309020205020404" pitchFamily="49" charset="0"/>
-              <a:cs typeface="Courier New" panose="02070309020205020404" pitchFamily="49" charset="0"/>
-            </a:endParaRPr>
           </a:p>
         </p:txBody>
       </p:sp>
@@ -7115,13 +7059,6 @@
               </a:rPr>
               <a:t>din_d1</a:t>
             </a:r>
-            <a:endParaRPr lang="en-US" sz="900" dirty="0">
-              <a:solidFill>
-                <a:srgbClr val="000000"/>
-              </a:solidFill>
-              <a:latin typeface="Courier New" panose="02070309020205020404" pitchFamily="49" charset="0"/>
-              <a:cs typeface="Courier New" panose="02070309020205020404" pitchFamily="49" charset="0"/>
-            </a:endParaRPr>
           </a:p>
         </p:txBody>
       </p:sp>
@@ -7301,13 +7238,6 @@
               </a:rPr>
               <a:t>din_d2</a:t>
             </a:r>
-            <a:endParaRPr lang="en-US" sz="900" dirty="0">
-              <a:solidFill>
-                <a:srgbClr val="000000"/>
-              </a:solidFill>
-              <a:latin typeface="Courier New" panose="02070309020205020404" pitchFamily="49" charset="0"/>
-              <a:cs typeface="Courier New" panose="02070309020205020404" pitchFamily="49" charset="0"/>
-            </a:endParaRPr>
           </a:p>
         </p:txBody>
       </p:sp>
@@ -7646,13 +7576,6 @@
               </a:rPr>
               <a:t>&lt;</a:t>
             </a:r>
-            <a:endParaRPr lang="en-US" sz="900" dirty="0">
-              <a:solidFill>
-                <a:srgbClr val="000000"/>
-              </a:solidFill>
-              <a:latin typeface="Courier New" panose="02070309020205020404" pitchFamily="49" charset="0"/>
-              <a:cs typeface="Courier New" panose="02070309020205020404" pitchFamily="49" charset="0"/>
-            </a:endParaRPr>
           </a:p>
         </p:txBody>
       </p:sp>
@@ -7868,13 +7791,6 @@
               </a:rPr>
               <a:t>BW</a:t>
             </a:r>
-            <a:endParaRPr lang="en-US" sz="900" dirty="0">
-              <a:solidFill>
-                <a:srgbClr val="000000"/>
-              </a:solidFill>
-              <a:latin typeface="Courier New" panose="02070309020205020404" pitchFamily="49" charset="0"/>
-              <a:cs typeface="Courier New" panose="02070309020205020404" pitchFamily="49" charset="0"/>
-            </a:endParaRPr>
           </a:p>
         </p:txBody>
       </p:sp>
@@ -7927,13 +7843,6 @@
               </a:rPr>
               <a:t>TIMEOUT</a:t>
             </a:r>
-            <a:endParaRPr lang="en-US" sz="900" dirty="0">
-              <a:solidFill>
-                <a:srgbClr val="000000"/>
-              </a:solidFill>
-              <a:latin typeface="Courier New" panose="02070309020205020404" pitchFamily="49" charset="0"/>
-              <a:cs typeface="Courier New" panose="02070309020205020404" pitchFamily="49" charset="0"/>
-            </a:endParaRPr>
           </a:p>
         </p:txBody>
       </p:sp>
@@ -8135,13 +8044,6 @@
               </a:rPr>
               <a:t>1</a:t>
             </a:r>
-            <a:endParaRPr lang="en-US" sz="900" dirty="0">
-              <a:solidFill>
-                <a:srgbClr val="000000"/>
-              </a:solidFill>
-              <a:latin typeface="Courier New" panose="02070309020205020404" pitchFamily="49" charset="0"/>
-              <a:cs typeface="Courier New" panose="02070309020205020404" pitchFamily="49" charset="0"/>
-            </a:endParaRPr>
           </a:p>
         </p:txBody>
       </p:sp>
@@ -8185,14 +8087,14 @@
           <a:lstStyle/>
           <a:p>
             <a:r>
-              <a:rPr lang="en-US" sz="900" dirty="0">
+              <a:rPr lang="en-US" sz="900" dirty="0" err="1" smtClean="0">
                 <a:solidFill>
                   <a:srgbClr val="000000"/>
                 </a:solidFill>
                 <a:latin typeface="Courier New" panose="02070309020205020404" pitchFamily="49" charset="0"/>
                 <a:cs typeface="Courier New" panose="02070309020205020404" pitchFamily="49" charset="0"/>
               </a:rPr>
-              <a:t>hit</a:t>
+              <a:t>cnting</a:t>
             </a:r>
             <a:endParaRPr lang="en-US" sz="900" dirty="0">
               <a:solidFill>
@@ -8253,13 +8155,6 @@
               </a:rPr>
               <a:t>parameter BW=‘d8;</a:t>
             </a:r>
-            <a:endParaRPr lang="en-US" sz="900" dirty="0">
-              <a:solidFill>
-                <a:srgbClr val="000000"/>
-              </a:solidFill>
-              <a:latin typeface="Courier New" panose="02070309020205020404" pitchFamily="49" charset="0"/>
-              <a:cs typeface="Courier New" panose="02070309020205020404" pitchFamily="49" charset="0"/>
-            </a:endParaRPr>
           </a:p>
         </p:txBody>
       </p:sp>

--- a/0040_pllsyn/rtl/schematic/dechat.pptx
+++ b/0040_pllsyn/rtl/schematic/dechat.pptx
@@ -197,7 +197,7 @@
           <a:p>
             <a:fld id="{B9E5BF02-4A65-43B2-AA51-912306618617}" type="datetimeFigureOut">
               <a:rPr lang="en-US" smtClean="0"/>
-              <a:t>9/12/2017</a:t>
+              <a:t>9/13/2017</a:t>
             </a:fld>
             <a:endParaRPr lang="en-US"/>
           </a:p>
@@ -685,7 +685,7 @@
           <a:p>
             <a:fld id="{F8F920B2-3E99-4C9D-9450-62A3DEC5476B}" type="datetimeFigureOut">
               <a:rPr lang="en-US" smtClean="0"/>
-              <a:t>9/12/2017</a:t>
+              <a:t>9/13/2017</a:t>
             </a:fld>
             <a:endParaRPr lang="en-US"/>
           </a:p>
@@ -855,7 +855,7 @@
           <a:p>
             <a:fld id="{F8F920B2-3E99-4C9D-9450-62A3DEC5476B}" type="datetimeFigureOut">
               <a:rPr lang="en-US" smtClean="0"/>
-              <a:t>9/12/2017</a:t>
+              <a:t>9/13/2017</a:t>
             </a:fld>
             <a:endParaRPr lang="en-US"/>
           </a:p>
@@ -1035,7 +1035,7 @@
           <a:p>
             <a:fld id="{F8F920B2-3E99-4C9D-9450-62A3DEC5476B}" type="datetimeFigureOut">
               <a:rPr lang="en-US" smtClean="0"/>
-              <a:t>9/12/2017</a:t>
+              <a:t>9/13/2017</a:t>
             </a:fld>
             <a:endParaRPr lang="en-US"/>
           </a:p>
@@ -1205,7 +1205,7 @@
           <a:p>
             <a:fld id="{F8F920B2-3E99-4C9D-9450-62A3DEC5476B}" type="datetimeFigureOut">
               <a:rPr lang="en-US" smtClean="0"/>
-              <a:t>9/12/2017</a:t>
+              <a:t>9/13/2017</a:t>
             </a:fld>
             <a:endParaRPr lang="en-US"/>
           </a:p>
@@ -1449,7 +1449,7 @@
           <a:p>
             <a:fld id="{F8F920B2-3E99-4C9D-9450-62A3DEC5476B}" type="datetimeFigureOut">
               <a:rPr lang="en-US" smtClean="0"/>
-              <a:t>9/12/2017</a:t>
+              <a:t>9/13/2017</a:t>
             </a:fld>
             <a:endParaRPr lang="en-US"/>
           </a:p>
@@ -1681,7 +1681,7 @@
           <a:p>
             <a:fld id="{F8F920B2-3E99-4C9D-9450-62A3DEC5476B}" type="datetimeFigureOut">
               <a:rPr lang="en-US" smtClean="0"/>
-              <a:t>9/12/2017</a:t>
+              <a:t>9/13/2017</a:t>
             </a:fld>
             <a:endParaRPr lang="en-US"/>
           </a:p>
@@ -2048,7 +2048,7 @@
           <a:p>
             <a:fld id="{F8F920B2-3E99-4C9D-9450-62A3DEC5476B}" type="datetimeFigureOut">
               <a:rPr lang="en-US" smtClean="0"/>
-              <a:t>9/12/2017</a:t>
+              <a:t>9/13/2017</a:t>
             </a:fld>
             <a:endParaRPr lang="en-US"/>
           </a:p>
@@ -2166,7 +2166,7 @@
           <a:p>
             <a:fld id="{F8F920B2-3E99-4C9D-9450-62A3DEC5476B}" type="datetimeFigureOut">
               <a:rPr lang="en-US" smtClean="0"/>
-              <a:t>9/12/2017</a:t>
+              <a:t>9/13/2017</a:t>
             </a:fld>
             <a:endParaRPr lang="en-US"/>
           </a:p>
@@ -2261,7 +2261,7 @@
           <a:p>
             <a:fld id="{F8F920B2-3E99-4C9D-9450-62A3DEC5476B}" type="datetimeFigureOut">
               <a:rPr lang="en-US" smtClean="0"/>
-              <a:t>9/12/2017</a:t>
+              <a:t>9/13/2017</a:t>
             </a:fld>
             <a:endParaRPr lang="en-US"/>
           </a:p>
@@ -2538,7 +2538,7 @@
           <a:p>
             <a:fld id="{F8F920B2-3E99-4C9D-9450-62A3DEC5476B}" type="datetimeFigureOut">
               <a:rPr lang="en-US" smtClean="0"/>
-              <a:t>9/12/2017</a:t>
+              <a:t>9/13/2017</a:t>
             </a:fld>
             <a:endParaRPr lang="en-US"/>
           </a:p>
@@ -2795,7 +2795,7 @@
           <a:p>
             <a:fld id="{F8F920B2-3E99-4C9D-9450-62A3DEC5476B}" type="datetimeFigureOut">
               <a:rPr lang="en-US" smtClean="0"/>
-              <a:t>9/12/2017</a:t>
+              <a:t>9/13/2017</a:t>
             </a:fld>
             <a:endParaRPr lang="en-US"/>
           </a:p>
@@ -3008,7 +3008,7 @@
           <a:p>
             <a:fld id="{F8F920B2-3E99-4C9D-9450-62A3DEC5476B}" type="datetimeFigureOut">
               <a:rPr lang="en-US" smtClean="0"/>
-              <a:t>9/12/2017</a:t>
+              <a:t>9/13/2017</a:t>
             </a:fld>
             <a:endParaRPr lang="en-US"/>
           </a:p>
@@ -8153,8 +8153,343 @@
                 <a:latin typeface="Courier New" panose="02070309020205020404" pitchFamily="49" charset="0"/>
                 <a:cs typeface="Courier New" panose="02070309020205020404" pitchFamily="49" charset="0"/>
               </a:rPr>
-              <a:t>parameter BW=‘d8;</a:t>
-            </a:r>
+              <a:t>parameter BW=‘</a:t>
+            </a:r>
+            <a:r>
+              <a:rPr lang="en-US" sz="900" dirty="0" smtClean="0">
+                <a:solidFill>
+                  <a:srgbClr val="000000"/>
+                </a:solidFill>
+                <a:latin typeface="Courier New" panose="02070309020205020404" pitchFamily="49" charset="0"/>
+                <a:cs typeface="Courier New" panose="02070309020205020404" pitchFamily="49" charset="0"/>
+              </a:rPr>
+              <a:t>d8, RV=1’b0;</a:t>
+            </a:r>
+            <a:endParaRPr lang="en-US" sz="900" dirty="0">
+              <a:solidFill>
+                <a:srgbClr val="000000"/>
+              </a:solidFill>
+              <a:latin typeface="Courier New" panose="02070309020205020404" pitchFamily="49" charset="0"/>
+              <a:cs typeface="Courier New" panose="02070309020205020404" pitchFamily="49" charset="0"/>
+            </a:endParaRPr>
+          </a:p>
+        </p:txBody>
+      </p:sp>
+      <p:cxnSp>
+        <p:nvCxnSpPr>
+          <p:cNvPr id="108" name="Straight Connector 107"/>
+          <p:cNvCxnSpPr/>
+          <p:nvPr/>
+        </p:nvCxnSpPr>
+        <p:spPr>
+          <a:xfrm flipV="1">
+            <a:off x="1828800" y="2971800"/>
+            <a:ext cx="152400" cy="76200"/>
+          </a:xfrm>
+          <a:prstGeom prst="line">
+            <a:avLst/>
+          </a:prstGeom>
+          <a:ln w="12700">
+            <a:solidFill>
+              <a:srgbClr val="000000"/>
+            </a:solidFill>
+            <a:headEnd type="none" w="med" len="med"/>
+            <a:tailEnd type="triangle" w="med" len="med"/>
+          </a:ln>
+        </p:spPr>
+        <p:style>
+          <a:lnRef idx="1">
+            <a:schemeClr val="accent1"/>
+          </a:lnRef>
+          <a:fillRef idx="0">
+            <a:schemeClr val="accent1"/>
+          </a:fillRef>
+          <a:effectRef idx="0">
+            <a:schemeClr val="accent1"/>
+          </a:effectRef>
+          <a:fontRef idx="minor">
+            <a:schemeClr val="tx1"/>
+          </a:fontRef>
+        </p:style>
+      </p:cxnSp>
+      <p:sp>
+        <p:nvSpPr>
+          <p:cNvPr id="110" name="Rectangle 109"/>
+          <p:cNvSpPr/>
+          <p:nvPr/>
+        </p:nvSpPr>
+        <p:spPr>
+          <a:xfrm>
+            <a:off x="1600200" y="3048000"/>
+            <a:ext cx="457200" cy="152400"/>
+          </a:xfrm>
+          <a:prstGeom prst="rect">
+            <a:avLst/>
+          </a:prstGeom>
+          <a:noFill/>
+          <a:ln>
+            <a:noFill/>
+          </a:ln>
+        </p:spPr>
+        <p:style>
+          <a:lnRef idx="2">
+            <a:schemeClr val="accent1">
+              <a:shade val="50000"/>
+            </a:schemeClr>
+          </a:lnRef>
+          <a:fillRef idx="1">
+            <a:schemeClr val="accent1"/>
+          </a:fillRef>
+          <a:effectRef idx="0">
+            <a:schemeClr val="accent1"/>
+          </a:effectRef>
+          <a:fontRef idx="minor">
+            <a:schemeClr val="lt1"/>
+          </a:fontRef>
+        </p:style>
+        <p:txBody>
+          <a:bodyPr wrap="none" lIns="45720" rIns="45720" rtlCol="0" anchor="ctr"/>
+          <a:lstStyle/>
+          <a:p>
+            <a:r>
+              <a:rPr lang="en-US" sz="900" dirty="0" err="1" smtClean="0">
+                <a:solidFill>
+                  <a:srgbClr val="000000"/>
+                </a:solidFill>
+                <a:latin typeface="Courier New" panose="02070309020205020404" pitchFamily="49" charset="0"/>
+                <a:cs typeface="Courier New" panose="02070309020205020404" pitchFamily="49" charset="0"/>
+              </a:rPr>
+              <a:t>rst</a:t>
+            </a:r>
+            <a:r>
+              <a:rPr lang="en-US" sz="900" dirty="0" smtClean="0">
+                <a:solidFill>
+                  <a:srgbClr val="000000"/>
+                </a:solidFill>
+                <a:latin typeface="Courier New" panose="02070309020205020404" pitchFamily="49" charset="0"/>
+                <a:cs typeface="Courier New" panose="02070309020205020404" pitchFamily="49" charset="0"/>
+              </a:rPr>
+              <a:t>-&gt;RV</a:t>
+            </a:r>
+            <a:endParaRPr lang="en-US" sz="900" dirty="0">
+              <a:solidFill>
+                <a:srgbClr val="000000"/>
+              </a:solidFill>
+              <a:latin typeface="Courier New" panose="02070309020205020404" pitchFamily="49" charset="0"/>
+              <a:cs typeface="Courier New" panose="02070309020205020404" pitchFamily="49" charset="0"/>
+            </a:endParaRPr>
+          </a:p>
+        </p:txBody>
+      </p:sp>
+      <p:cxnSp>
+        <p:nvCxnSpPr>
+          <p:cNvPr id="111" name="Straight Connector 110"/>
+          <p:cNvCxnSpPr/>
+          <p:nvPr/>
+        </p:nvCxnSpPr>
+        <p:spPr>
+          <a:xfrm flipV="1">
+            <a:off x="3200400" y="2971800"/>
+            <a:ext cx="152400" cy="76200"/>
+          </a:xfrm>
+          <a:prstGeom prst="line">
+            <a:avLst/>
+          </a:prstGeom>
+          <a:ln w="12700">
+            <a:solidFill>
+              <a:srgbClr val="000000"/>
+            </a:solidFill>
+            <a:headEnd type="none" w="med" len="med"/>
+            <a:tailEnd type="triangle" w="med" len="med"/>
+          </a:ln>
+        </p:spPr>
+        <p:style>
+          <a:lnRef idx="1">
+            <a:schemeClr val="accent1"/>
+          </a:lnRef>
+          <a:fillRef idx="0">
+            <a:schemeClr val="accent1"/>
+          </a:fillRef>
+          <a:effectRef idx="0">
+            <a:schemeClr val="accent1"/>
+          </a:effectRef>
+          <a:fontRef idx="minor">
+            <a:schemeClr val="tx1"/>
+          </a:fontRef>
+        </p:style>
+      </p:cxnSp>
+      <p:sp>
+        <p:nvSpPr>
+          <p:cNvPr id="112" name="Rectangle 111"/>
+          <p:cNvSpPr/>
+          <p:nvPr/>
+        </p:nvSpPr>
+        <p:spPr>
+          <a:xfrm>
+            <a:off x="2971800" y="3048000"/>
+            <a:ext cx="457200" cy="152400"/>
+          </a:xfrm>
+          <a:prstGeom prst="rect">
+            <a:avLst/>
+          </a:prstGeom>
+          <a:noFill/>
+          <a:ln>
+            <a:noFill/>
+          </a:ln>
+        </p:spPr>
+        <p:style>
+          <a:lnRef idx="2">
+            <a:schemeClr val="accent1">
+              <a:shade val="50000"/>
+            </a:schemeClr>
+          </a:lnRef>
+          <a:fillRef idx="1">
+            <a:schemeClr val="accent1"/>
+          </a:fillRef>
+          <a:effectRef idx="0">
+            <a:schemeClr val="accent1"/>
+          </a:effectRef>
+          <a:fontRef idx="minor">
+            <a:schemeClr val="lt1"/>
+          </a:fontRef>
+        </p:style>
+        <p:txBody>
+          <a:bodyPr wrap="none" lIns="45720" rIns="45720" rtlCol="0" anchor="ctr"/>
+          <a:lstStyle/>
+          <a:p>
+            <a:r>
+              <a:rPr lang="en-US" sz="900" dirty="0" err="1" smtClean="0">
+                <a:solidFill>
+                  <a:srgbClr val="000000"/>
+                </a:solidFill>
+                <a:latin typeface="Courier New" panose="02070309020205020404" pitchFamily="49" charset="0"/>
+                <a:cs typeface="Courier New" panose="02070309020205020404" pitchFamily="49" charset="0"/>
+              </a:rPr>
+              <a:t>rst</a:t>
+            </a:r>
+            <a:r>
+              <a:rPr lang="en-US" sz="900" dirty="0" smtClean="0">
+                <a:solidFill>
+                  <a:srgbClr val="000000"/>
+                </a:solidFill>
+                <a:latin typeface="Courier New" panose="02070309020205020404" pitchFamily="49" charset="0"/>
+                <a:cs typeface="Courier New" panose="02070309020205020404" pitchFamily="49" charset="0"/>
+              </a:rPr>
+              <a:t>-&gt;RV</a:t>
+            </a:r>
+            <a:endParaRPr lang="en-US" sz="900" dirty="0">
+              <a:solidFill>
+                <a:srgbClr val="000000"/>
+              </a:solidFill>
+              <a:latin typeface="Courier New" panose="02070309020205020404" pitchFamily="49" charset="0"/>
+              <a:cs typeface="Courier New" panose="02070309020205020404" pitchFamily="49" charset="0"/>
+            </a:endParaRPr>
+          </a:p>
+        </p:txBody>
+      </p:sp>
+      <p:cxnSp>
+        <p:nvCxnSpPr>
+          <p:cNvPr id="113" name="Straight Connector 112"/>
+          <p:cNvCxnSpPr/>
+          <p:nvPr/>
+        </p:nvCxnSpPr>
+        <p:spPr>
+          <a:xfrm flipV="1">
+            <a:off x="9525000" y="3124200"/>
+            <a:ext cx="152400" cy="76200"/>
+          </a:xfrm>
+          <a:prstGeom prst="line">
+            <a:avLst/>
+          </a:prstGeom>
+          <a:ln w="12700">
+            <a:solidFill>
+              <a:srgbClr val="000000"/>
+            </a:solidFill>
+            <a:headEnd type="none" w="med" len="med"/>
+            <a:tailEnd type="triangle" w="med" len="med"/>
+          </a:ln>
+        </p:spPr>
+        <p:style>
+          <a:lnRef idx="1">
+            <a:schemeClr val="accent1"/>
+          </a:lnRef>
+          <a:fillRef idx="0">
+            <a:schemeClr val="accent1"/>
+          </a:fillRef>
+          <a:effectRef idx="0">
+            <a:schemeClr val="accent1"/>
+          </a:effectRef>
+          <a:fontRef idx="minor">
+            <a:schemeClr val="tx1"/>
+          </a:fontRef>
+        </p:style>
+      </p:cxnSp>
+      <p:sp>
+        <p:nvSpPr>
+          <p:cNvPr id="114" name="Rectangle 113"/>
+          <p:cNvSpPr/>
+          <p:nvPr/>
+        </p:nvSpPr>
+        <p:spPr>
+          <a:xfrm>
+            <a:off x="9296400" y="3200400"/>
+            <a:ext cx="457200" cy="152400"/>
+          </a:xfrm>
+          <a:prstGeom prst="rect">
+            <a:avLst/>
+          </a:prstGeom>
+          <a:noFill/>
+          <a:ln>
+            <a:noFill/>
+          </a:ln>
+        </p:spPr>
+        <p:style>
+          <a:lnRef idx="2">
+            <a:schemeClr val="accent1">
+              <a:shade val="50000"/>
+            </a:schemeClr>
+          </a:lnRef>
+          <a:fillRef idx="1">
+            <a:schemeClr val="accent1"/>
+          </a:fillRef>
+          <a:effectRef idx="0">
+            <a:schemeClr val="accent1"/>
+          </a:effectRef>
+          <a:fontRef idx="minor">
+            <a:schemeClr val="lt1"/>
+          </a:fontRef>
+        </p:style>
+        <p:txBody>
+          <a:bodyPr wrap="none" lIns="45720" rIns="45720" rtlCol="0" anchor="ctr"/>
+          <a:lstStyle/>
+          <a:p>
+            <a:r>
+              <a:rPr lang="en-US" sz="900" dirty="0" err="1" smtClean="0">
+                <a:solidFill>
+                  <a:srgbClr val="000000"/>
+                </a:solidFill>
+                <a:latin typeface="Courier New" panose="02070309020205020404" pitchFamily="49" charset="0"/>
+                <a:cs typeface="Courier New" panose="02070309020205020404" pitchFamily="49" charset="0"/>
+              </a:rPr>
+              <a:t>rst</a:t>
+            </a:r>
+            <a:r>
+              <a:rPr lang="en-US" sz="900" dirty="0" smtClean="0">
+                <a:solidFill>
+                  <a:srgbClr val="000000"/>
+                </a:solidFill>
+                <a:latin typeface="Courier New" panose="02070309020205020404" pitchFamily="49" charset="0"/>
+                <a:cs typeface="Courier New" panose="02070309020205020404" pitchFamily="49" charset="0"/>
+              </a:rPr>
+              <a:t>-&gt;RV</a:t>
+            </a:r>
+            <a:endParaRPr lang="en-US" sz="900" dirty="0">
+              <a:solidFill>
+                <a:srgbClr val="000000"/>
+              </a:solidFill>
+              <a:latin typeface="Courier New" panose="02070309020205020404" pitchFamily="49" charset="0"/>
+              <a:cs typeface="Courier New" panose="02070309020205020404" pitchFamily="49" charset="0"/>
+            </a:endParaRPr>
           </a:p>
         </p:txBody>
       </p:sp>
